--- a/Doc3/Защита_презентация.pptx
+++ b/Doc3/Защита_презентация.pptx
@@ -4516,7 +4516,7 @@
         <p:spPr>
           <a:xfrm>
             <a:off x="0" y="1484313"/>
-            <a:ext cx="9144000" cy="1198880"/>
+            <a:ext cx="9144000" cy="1568450"/>
           </a:xfrm>
           <a:prstGeom prst="rect">
             <a:avLst/>
@@ -4640,7 +4640,7 @@
               <a:rPr lang="en-US" altLang="en-US" sz="2400" dirty="0">
                 <a:latin typeface="GOST type A" panose="020B0500000000000000" pitchFamily="2" charset="0"/>
               </a:rPr>
-              <a:t>ГАПОУ</a:t>
+              <a:t>Филиал</a:t>
             </a:r>
             <a:r>
               <a:rPr lang="en-US" altLang="ru-RU" sz="2400" dirty="0">
@@ -4649,6 +4649,18 @@
               <a:t> </a:t>
             </a:r>
             <a:r>
+              <a:rPr lang="en-US" altLang="en-US" sz="2400" dirty="0">
+                <a:latin typeface="GOST type A" panose="020B0500000000000000" pitchFamily="2" charset="0"/>
+              </a:rPr>
+              <a:t>ПАО</a:t>
+            </a:r>
+            <a:r>
+              <a:rPr lang="en-US" altLang="ru-RU" sz="2400" dirty="0">
+                <a:latin typeface="GOST type A" panose="020B0500000000000000" pitchFamily="2" charset="0"/>
+              </a:rPr>
+              <a:t> </a:t>
+            </a:r>
+            <a:r>
               <a:rPr lang="" altLang="en-US" sz="2400" dirty="0">
                 <a:latin typeface="GOST type A" panose="020B0500000000000000" pitchFamily="2" charset="0"/>
               </a:rPr>
@@ -4658,7 +4670,43 @@
               <a:rPr lang="en-US" altLang="en-US" sz="2400" dirty="0">
                 <a:latin typeface="GOST type A" panose="020B0500000000000000" pitchFamily="2" charset="0"/>
               </a:rPr>
-              <a:t>ОКЭИ</a:t>
+              <a:t>Россети</a:t>
+            </a:r>
+            <a:r>
+              <a:rPr lang="en-US" altLang="ru-RU" sz="2400" dirty="0">
+                <a:latin typeface="GOST type A" panose="020B0500000000000000" pitchFamily="2" charset="0"/>
+              </a:rPr>
+              <a:t> </a:t>
+            </a:r>
+            <a:r>
+              <a:rPr lang="en-US" altLang="en-US" sz="2400" dirty="0">
+                <a:latin typeface="GOST type A" panose="020B0500000000000000" pitchFamily="2" charset="0"/>
+              </a:rPr>
+              <a:t>Волга</a:t>
+            </a:r>
+            <a:r>
+              <a:rPr lang="" altLang="en-US" sz="2400" dirty="0">
+                <a:latin typeface="GOST type A" panose="020B0500000000000000" pitchFamily="2" charset="0"/>
+              </a:rPr>
+              <a:t>»</a:t>
+            </a:r>
+            <a:r>
+              <a:rPr lang="en-US" altLang="ru-RU" sz="2400" dirty="0">
+                <a:latin typeface="GOST type A" panose="020B0500000000000000" pitchFamily="2" charset="0"/>
+              </a:rPr>
+              <a:t> - </a:t>
+            </a:r>
+            <a:r>
+              <a:rPr lang="" altLang="en-US" sz="2400" dirty="0">
+                <a:latin typeface="GOST type A" panose="020B0500000000000000" pitchFamily="2" charset="0"/>
+              </a:rPr>
+              <a:t>«</a:t>
+            </a:r>
+            <a:r>
+              <a:rPr lang="en-US" altLang="en-US" sz="2400" dirty="0">
+                <a:latin typeface="GOST type A" panose="020B0500000000000000" pitchFamily="2" charset="0"/>
+              </a:rPr>
+              <a:t>Оренбургэнерго</a:t>
             </a:r>
             <a:r>
               <a:rPr lang="" altLang="en-US" sz="2400" dirty="0">
@@ -4687,7 +4735,7 @@
               <a:rPr lang="en-US" altLang="en-US" sz="2400" dirty="0">
                 <a:latin typeface="GOST type A" panose="020B0500000000000000" pitchFamily="2" charset="0"/>
               </a:rPr>
-              <a:t>обучение</a:t>
+              <a:t>передачей</a:t>
             </a:r>
             <a:r>
               <a:rPr lang="en-US" altLang="ru-RU" sz="2400" dirty="0">
@@ -4699,7 +4747,7 @@
               <a:rPr lang="en-US" altLang="en-US" sz="2400" dirty="0">
                 <a:latin typeface="GOST type A" panose="020B0500000000000000" pitchFamily="2" charset="0"/>
               </a:rPr>
-              <a:t>студентов</a:t>
+              <a:t>и</a:t>
             </a:r>
             <a:r>
               <a:rPr lang="en-US" altLang="ru-RU" sz="2400" dirty="0">
@@ -4711,7 +4759,7 @@
               <a:rPr lang="en-US" altLang="en-US" sz="2400" dirty="0">
                 <a:latin typeface="GOST type A" panose="020B0500000000000000" pitchFamily="2" charset="0"/>
               </a:rPr>
-              <a:t>по</a:t>
+              <a:t>распределением</a:t>
             </a:r>
             <a:r>
               <a:rPr lang="en-US" altLang="ru-RU" sz="2400" dirty="0">
@@ -4723,19 +4771,91 @@
               <a:rPr lang="en-US" altLang="en-US" sz="2400" dirty="0">
                 <a:latin typeface="GOST type A" panose="020B0500000000000000" pitchFamily="2" charset="0"/>
               </a:rPr>
-              <a:t>разным</a:t>
+              <a:t>электроэнергии</a:t>
             </a:r>
             <a:r>
               <a:rPr lang="en-US" altLang="ru-RU" sz="2400" dirty="0">
                 <a:latin typeface="GOST type A" panose="020B0500000000000000" pitchFamily="2" charset="0"/>
               </a:rPr>
+              <a:t>, </a:t>
+            </a:r>
+            <a:r>
+              <a:rPr lang="en-US" altLang="en-US" sz="2400" dirty="0">
+                <a:latin typeface="GOST type A" panose="020B0500000000000000" pitchFamily="2" charset="0"/>
+              </a:rPr>
+              <a:t>а</a:t>
+            </a:r>
+            <a:r>
+              <a:rPr lang="en-US" altLang="ru-RU" sz="2400" dirty="0">
+                <a:latin typeface="GOST type A" panose="020B0500000000000000" pitchFamily="2" charset="0"/>
+              </a:rPr>
               <a:t> </a:t>
             </a:r>
             <a:r>
               <a:rPr lang="en-US" altLang="en-US" sz="2400" dirty="0">
                 <a:latin typeface="GOST type A" panose="020B0500000000000000" pitchFamily="2" charset="0"/>
               </a:rPr>
-              <a:t>специальностям</a:t>
+              <a:t>также</a:t>
+            </a:r>
+            <a:r>
+              <a:rPr lang="en-US" altLang="ru-RU" sz="2400" dirty="0">
+                <a:latin typeface="GOST type A" panose="020B0500000000000000" pitchFamily="2" charset="0"/>
+              </a:rPr>
+              <a:t> </a:t>
+            </a:r>
+            <a:r>
+              <a:rPr lang="en-US" altLang="en-US" sz="2400" dirty="0">
+                <a:latin typeface="GOST type A" panose="020B0500000000000000" pitchFamily="2" charset="0"/>
+              </a:rPr>
+              <a:t>технологическим</a:t>
+            </a:r>
+            <a:r>
+              <a:rPr lang="en-US" altLang="ru-RU" sz="2400" dirty="0">
+                <a:latin typeface="GOST type A" panose="020B0500000000000000" pitchFamily="2" charset="0"/>
+              </a:rPr>
+              <a:t> </a:t>
+            </a:r>
+            <a:r>
+              <a:rPr lang="en-US" altLang="en-US" sz="2400" dirty="0">
+                <a:latin typeface="GOST type A" panose="020B0500000000000000" pitchFamily="2" charset="0"/>
+              </a:rPr>
+              <a:t>присоединением</a:t>
+            </a:r>
+            <a:r>
+              <a:rPr lang="en-US" altLang="ru-RU" sz="2400" dirty="0">
+                <a:latin typeface="GOST type A" panose="020B0500000000000000" pitchFamily="2" charset="0"/>
+              </a:rPr>
+              <a:t> </a:t>
+            </a:r>
+            <a:r>
+              <a:rPr lang="en-US" altLang="en-US" sz="2400" dirty="0">
+                <a:latin typeface="GOST type A" panose="020B0500000000000000" pitchFamily="2" charset="0"/>
+              </a:rPr>
+              <a:t>к</a:t>
+            </a:r>
+            <a:r>
+              <a:rPr lang="en-US" altLang="ru-RU" sz="2400" dirty="0">
+                <a:latin typeface="GOST type A" panose="020B0500000000000000" pitchFamily="2" charset="0"/>
+              </a:rPr>
+              <a:t> </a:t>
+            </a:r>
+            <a:r>
+              <a:rPr lang="en-US" altLang="en-US" sz="2400" dirty="0">
+                <a:latin typeface="GOST type A" panose="020B0500000000000000" pitchFamily="2" charset="0"/>
+              </a:rPr>
+              <a:t>электрическим</a:t>
+            </a:r>
+            <a:r>
+              <a:rPr lang="en-US" altLang="ru-RU" sz="2400" dirty="0">
+                <a:latin typeface="GOST type A" panose="020B0500000000000000" pitchFamily="2" charset="0"/>
+              </a:rPr>
+              <a:t> </a:t>
+            </a:r>
+            <a:r>
+              <a:rPr lang="en-US" altLang="en-US" sz="2400" dirty="0">
+                <a:latin typeface="GOST type A" panose="020B0500000000000000" pitchFamily="2" charset="0"/>
+              </a:rPr>
+              <a:t>сетям</a:t>
             </a:r>
             <a:endParaRPr lang="en-US" altLang="en-US" sz="2400" dirty="0">
               <a:latin typeface="GOST type A" panose="020B0500000000000000" pitchFamily="2" charset="0"/>
@@ -4770,7 +4890,7 @@
                 </a:solidFill>
                 <a:latin typeface="GOST type A" panose="020B0500000000000000" pitchFamily="2" charset="0"/>
               </a:rPr>
-              <a:t>программирование</a:t>
+              <a:t>программирования</a:t>
             </a:r>
             <a:endParaRPr lang="ru-RU" altLang="ru-RU" sz="1800" dirty="0">
               <a:latin typeface="GOST type A" panose="020B0500000000000000" pitchFamily="2" charset="0"/>
@@ -6426,7 +6546,7 @@
       </p:sp>
       <p:pic>
         <p:nvPicPr>
-          <p:cNvPr id="81" name="Изображение 81" descr="Диаграмма прецедентов(версия 2).drawio"/>
+          <p:cNvPr id="8" name="Изображение 8" descr="Диаграмма прецедентов.drawio"/>
           <p:cNvPicPr>
             <a:picLocks noChangeAspect="1"/>
           </p:cNvPicPr>
@@ -6440,8 +6560,8 @@
         </p:blipFill>
         <p:spPr>
           <a:xfrm>
-            <a:off x="1492250" y="1124585"/>
-            <a:ext cx="6376670" cy="4860925"/>
+            <a:off x="1416050" y="1124585"/>
+            <a:ext cx="6529070" cy="4939030"/>
           </a:xfrm>
           <a:prstGeom prst="rect">
             <a:avLst/>

--- a/Doc3/Защита_презентация.pptx
+++ b/Doc3/Защита_презентация.pptx
@@ -4308,7 +4308,13 @@
               <a:rPr lang="en-US" altLang="en-US" sz="1800" dirty="0">
                 <a:latin typeface="GOST type A" panose="020B0500000000000000" pitchFamily="2" charset="0"/>
               </a:rPr>
-              <a:t>электроэнергетике</a:t>
+              <a:t>электроэнергетик</a:t>
+            </a:r>
+            <a:r>
+              <a:rPr lang="ru-RU" altLang="en-US" sz="1800" dirty="0">
+                <a:latin typeface="GOST type A" panose="020B0500000000000000" pitchFamily="2" charset="0"/>
+              </a:rPr>
+              <a:t>и</a:t>
             </a:r>
             <a:endParaRPr lang="en-US" altLang="en-US" sz="1800" dirty="0">
               <a:latin typeface="GOST type A" panose="020B0500000000000000" pitchFamily="2" charset="0"/>
@@ -4661,7 +4667,7 @@
               <a:t> </a:t>
             </a:r>
             <a:r>
-              <a:rPr lang="" altLang="en-US" sz="2400" dirty="0">
+              <a:rPr lang="en-US" altLang="en-US" sz="2400" dirty="0">
                 <a:latin typeface="GOST type A" panose="020B0500000000000000" pitchFamily="2" charset="0"/>
               </a:rPr>
               <a:t>«</a:t>
@@ -4685,7 +4691,7 @@
               <a:t>Волга</a:t>
             </a:r>
             <a:r>
-              <a:rPr lang="" altLang="en-US" sz="2400" dirty="0">
+              <a:rPr lang="en-US" altLang="en-US" sz="2400" dirty="0">
                 <a:latin typeface="GOST type A" panose="020B0500000000000000" pitchFamily="2" charset="0"/>
               </a:rPr>
               <a:t>»</a:t>
@@ -4697,7 +4703,7 @@
               <a:t> - </a:t>
             </a:r>
             <a:r>
-              <a:rPr lang="" altLang="en-US" sz="2400" dirty="0">
+              <a:rPr lang="en-US" altLang="en-US" sz="2400" dirty="0">
                 <a:latin typeface="GOST type A" panose="020B0500000000000000" pitchFamily="2" charset="0"/>
               </a:rPr>
               <a:t>«</a:t>
@@ -4709,12 +4715,12 @@
               <a:t>Оренбургэнерго</a:t>
             </a:r>
             <a:r>
-              <a:rPr lang="" altLang="en-US" sz="2400" dirty="0">
+              <a:rPr lang="en-US" altLang="en-US" sz="2400" dirty="0">
                 <a:latin typeface="GOST type A" panose="020B0500000000000000" pitchFamily="2" charset="0"/>
               </a:rPr>
               <a:t>»</a:t>
             </a:r>
-            <a:endParaRPr lang="" altLang="en-US" sz="2400" dirty="0">
+            <a:endParaRPr lang="en-US" altLang="en-US" sz="2400" dirty="0">
               <a:latin typeface="GOST type A" panose="020B0500000000000000" pitchFamily="2" charset="0"/>
             </a:endParaRPr>
           </a:p>
@@ -5169,9 +5175,15 @@
               <a:rPr lang="en-US" altLang="en-US" sz="2800" dirty="0">
                 <a:latin typeface="GOST type A" panose="020B0500000000000000" pitchFamily="2" charset="0"/>
               </a:rPr>
-              <a:t>электроэнергетике</a:t>
-            </a:r>
-            <a:endParaRPr lang="en-US" altLang="en-US" sz="2800" dirty="0">
+              <a:t>электроэнергетик</a:t>
+            </a:r>
+            <a:r>
+              <a:rPr lang="ru-RU" altLang="en-US" sz="2800" dirty="0">
+                <a:latin typeface="GOST type A" panose="020B0500000000000000" pitchFamily="2" charset="0"/>
+              </a:rPr>
+              <a:t>и</a:t>
+            </a:r>
+            <a:endParaRPr lang="ru-RU" altLang="en-US" sz="2800" dirty="0">
               <a:latin typeface="GOST type A" panose="020B0500000000000000" pitchFamily="2" charset="0"/>
             </a:endParaRPr>
           </a:p>
@@ -5272,34 +5284,10 @@
               <a:t> </a:t>
             </a:r>
             <a:r>
-              <a:rPr lang="en-US" altLang="en-US" sz="2800" dirty="0">
-                <a:latin typeface="GOST type A" panose="020B0500000000000000" pitchFamily="2" charset="0"/>
-              </a:rPr>
-              <a:t>требований</a:t>
-            </a:r>
-            <a:r>
-              <a:rPr lang="en-US" altLang="ru-RU" sz="2800" dirty="0">
-                <a:latin typeface="GOST type A" panose="020B0500000000000000" pitchFamily="2" charset="0"/>
-              </a:rPr>
-              <a:t> </a:t>
-            </a:r>
-            <a:r>
-              <a:rPr lang="en-US" altLang="en-US" sz="2800" dirty="0">
-                <a:latin typeface="GOST type A" panose="020B0500000000000000" pitchFamily="2" charset="0"/>
-              </a:rPr>
-              <a:t>современной</a:t>
-            </a:r>
-            <a:r>
-              <a:rPr lang="en-US" altLang="ru-RU" sz="2800" dirty="0">
-                <a:latin typeface="GOST type A" panose="020B0500000000000000" pitchFamily="2" charset="0"/>
-              </a:rPr>
-              <a:t> </a:t>
-            </a:r>
-            <a:r>
-              <a:rPr lang="en-US" altLang="en-US" sz="2800" dirty="0">
-                <a:latin typeface="GOST type A" panose="020B0500000000000000" pitchFamily="2" charset="0"/>
-              </a:rPr>
-              <a:t>аудитории</a:t>
+              <a:rPr lang="ru-RU" altLang="en-US" sz="2800" dirty="0">
+                <a:latin typeface="GOST type A" panose="020B0500000000000000" pitchFamily="2" charset="0"/>
+              </a:rPr>
+              <a:t>изучаемой области</a:t>
             </a:r>
             <a:r>
               <a:rPr lang="en-US" altLang="ru-RU" sz="2800" dirty="0">
@@ -5587,12 +5575,6 @@
             </a:r>
             <a:r>
               <a:rPr lang="en-US" altLang="ru-RU" sz="2800" dirty="0">
-                <a:latin typeface="GOST type A" panose="020B0500000000000000" pitchFamily="2" charset="0"/>
-              </a:rPr>
-              <a:t>.</a:t>
-            </a:r>
-            <a:r>
-              <a:rPr lang="ru-RU" altLang="ru-RU" sz="2800" dirty="0">
                 <a:latin typeface="GOST type A" panose="020B0500000000000000" pitchFamily="2" charset="0"/>
               </a:rPr>
               <a:t>.</a:t>
@@ -6771,7 +6753,7 @@
         </p:nvSpPr>
         <p:spPr>
           <a:xfrm>
-            <a:off x="0" y="1412875"/>
+            <a:off x="0" y="764540"/>
             <a:ext cx="9144000" cy="1006475"/>
           </a:xfrm>
           <a:prstGeom prst="rect">
@@ -6925,7 +6907,7 @@
         </p:blipFill>
         <p:spPr>
           <a:xfrm>
-            <a:off x="2809875" y="2420620"/>
+            <a:off x="2809875" y="1771015"/>
             <a:ext cx="3524250" cy="3524250"/>
           </a:xfrm>
           <a:prstGeom prst="rect">
@@ -6933,6 +6915,35 @@
           </a:prstGeom>
         </p:spPr>
       </p:pic>
+      <p:sp>
+        <p:nvSpPr>
+          <p:cNvPr id="3" name="Текстовое поле 2"/>
+          <p:cNvSpPr txBox="1"/>
+          <p:nvPr/>
+        </p:nvSpPr>
+        <p:spPr>
+          <a:xfrm>
+            <a:off x="2987675" y="5733415"/>
+            <a:ext cx="3491230" cy="368300"/>
+          </a:xfrm>
+          <a:prstGeom prst="rect">
+            <a:avLst/>
+          </a:prstGeom>
+          <a:noFill/>
+        </p:spPr>
+        <p:txBody>
+          <a:bodyPr wrap="square" rtlCol="0">
+            <a:spAutoFit/>
+          </a:bodyPr>
+          <a:p>
+            <a:r>
+              <a:rPr lang="en-US" altLang="ru-RU"/>
+              <a:t>https://electricblog.onrender.com</a:t>
+            </a:r>
+            <a:endParaRPr lang="en-US" altLang="ru-RU"/>
+          </a:p>
+        </p:txBody>
+      </p:sp>
     </p:spTree>
   </p:cSld>
   <p:clrMapOvr>
